--- a/dual_algorithm/fig/dual.pptx
+++ b/dual_algorithm/fig/dual.pptx
@@ -3438,7 +3438,7 @@
             <a:fld id="{96DFF08F-DC6B-4601-B491-B0F83F6DD2DA}" type="datetimeFigureOut">
               <a:rPr lang="en-US" smtClean="0"/>
               <a:pPr/>
-              <a:t>3/15/19</a:t>
+              <a:t>3/18/19</a:t>
             </a:fld>
             <a:endParaRPr lang="en-US" dirty="0"/>
           </a:p>
@@ -3703,7 +3703,7 @@
           <a:p>
             <a:fld id="{96DFF08F-DC6B-4601-B491-B0F83F6DD2DA}" type="datetimeFigureOut">
               <a:rPr lang="en-US" smtClean="0"/>
-              <a:t>3/15/19</a:t>
+              <a:t>3/18/19</a:t>
             </a:fld>
             <a:endParaRPr lang="en-US" dirty="0"/>
           </a:p>
@@ -3999,7 +3999,7 @@
           <a:p>
             <a:fld id="{96DFF08F-DC6B-4601-B491-B0F83F6DD2DA}" type="datetimeFigureOut">
               <a:rPr lang="en-US" smtClean="0"/>
-              <a:t>3/15/19</a:t>
+              <a:t>3/18/19</a:t>
             </a:fld>
             <a:endParaRPr lang="en-US" dirty="0"/>
           </a:p>
@@ -4337,7 +4337,7 @@
           <a:p>
             <a:fld id="{96DFF08F-DC6B-4601-B491-B0F83F6DD2DA}" type="datetimeFigureOut">
               <a:rPr lang="en-US" smtClean="0"/>
-              <a:t>3/15/19</a:t>
+              <a:t>3/18/19</a:t>
             </a:fld>
             <a:endParaRPr lang="en-US" dirty="0"/>
           </a:p>
@@ -4832,7 +4832,7 @@
           <a:p>
             <a:fld id="{96DFF08F-DC6B-4601-B491-B0F83F6DD2DA}" type="datetimeFigureOut">
               <a:rPr lang="en-US" smtClean="0"/>
-              <a:t>3/15/19</a:t>
+              <a:t>3/18/19</a:t>
             </a:fld>
             <a:endParaRPr lang="en-US" dirty="0"/>
           </a:p>
@@ -4952,7 +4952,7 @@
           <a:p>
             <a:fld id="{39A1194B-0F43-CA42-AB16-BFE8CF05E5C1}" type="datetimeFigureOut">
               <a:rPr kumimoji="1" lang="ja-JP" altLang="en-US" smtClean="0"/>
-              <a:t>2019/3/15</a:t>
+              <a:t>2019/3/18</a:t>
             </a:fld>
             <a:endParaRPr kumimoji="1" lang="ja-JP" altLang="en-US"/>
           </a:p>
@@ -5248,7 +5248,7 @@
           <a:p>
             <a:fld id="{96DFF08F-DC6B-4601-B491-B0F83F6DD2DA}" type="datetimeFigureOut">
               <a:rPr lang="en-US" smtClean="0"/>
-              <a:t>3/15/19</a:t>
+              <a:t>3/18/19</a:t>
             </a:fld>
             <a:endParaRPr lang="en-US" dirty="0"/>
           </a:p>
@@ -5587,7 +5587,7 @@
           <a:p>
             <a:fld id="{96DFF08F-DC6B-4601-B491-B0F83F6DD2DA}" type="datetimeFigureOut">
               <a:rPr lang="en-US" smtClean="0"/>
-              <a:t>3/15/19</a:t>
+              <a:t>3/18/19</a:t>
             </a:fld>
             <a:endParaRPr lang="en-US" dirty="0"/>
           </a:p>
@@ -5903,7 +5903,7 @@
           <a:p>
             <a:fld id="{9CDD058F-B960-4439-B370-43D89816EE05}" type="datetimeFigureOut">
               <a:rPr lang="en-US" smtClean="0"/>
-              <a:t>3/15/19</a:t>
+              <a:t>3/18/19</a:t>
             </a:fld>
             <a:endParaRPr lang="en-US" dirty="0"/>
           </a:p>
@@ -6118,7 +6118,7 @@
           <a:p>
             <a:fld id="{96DFF08F-DC6B-4601-B491-B0F83F6DD2DA}" type="datetimeFigureOut">
               <a:rPr lang="en-US" smtClean="0"/>
-              <a:t>3/15/19</a:t>
+              <a:t>3/18/19</a:t>
             </a:fld>
             <a:endParaRPr lang="en-US" dirty="0"/>
           </a:p>
@@ -6308,7 +6308,7 @@
           <a:p>
             <a:fld id="{96DFF08F-DC6B-4601-B491-B0F83F6DD2DA}" type="datetimeFigureOut">
               <a:rPr lang="en-US" smtClean="0"/>
-              <a:t>3/15/19</a:t>
+              <a:t>3/18/19</a:t>
             </a:fld>
             <a:endParaRPr lang="en-US" dirty="0"/>
           </a:p>
@@ -7039,7 +7039,7 @@
           <a:p>
             <a:fld id="{6DD2E690-53CE-A840-BE73-980778076561}" type="datetimeFigureOut">
               <a:rPr kumimoji="1" lang="ja-JP" altLang="en-US" smtClean="0"/>
-              <a:t>2019/3/15</a:t>
+              <a:t>2019/3/18</a:t>
             </a:fld>
             <a:endParaRPr kumimoji="1" lang="ja-JP" altLang="en-US"/>
           </a:p>
@@ -7156,7 +7156,7 @@
           <a:p>
             <a:fld id="{6DD2E690-53CE-A840-BE73-980778076561}" type="datetimeFigureOut">
               <a:rPr kumimoji="1" lang="ja-JP" altLang="en-US" smtClean="0"/>
-              <a:t>2019/3/15</a:t>
+              <a:t>2019/3/18</a:t>
             </a:fld>
             <a:endParaRPr kumimoji="1" lang="ja-JP" altLang="en-US"/>
           </a:p>
@@ -11269,7 +11269,7 @@
             <a:fld id="{96DFF08F-DC6B-4601-B491-B0F83F6DD2DA}" type="datetimeFigureOut">
               <a:rPr lang="en-US" smtClean="0"/>
               <a:pPr/>
-              <a:t>3/15/19</a:t>
+              <a:t>3/18/19</a:t>
             </a:fld>
             <a:endParaRPr lang="en-US" dirty="0"/>
           </a:p>
@@ -11534,7 +11534,7 @@
           <a:p>
             <a:fld id="{96DFF08F-DC6B-4601-B491-B0F83F6DD2DA}" type="datetimeFigureOut">
               <a:rPr lang="en-US" smtClean="0"/>
-              <a:t>3/15/19</a:t>
+              <a:t>3/18/19</a:t>
             </a:fld>
             <a:endParaRPr lang="en-US" dirty="0"/>
           </a:p>
@@ -12036,7 +12036,7 @@
           <a:p>
             <a:fld id="{96DFF08F-DC6B-4601-B491-B0F83F6DD2DA}" type="datetimeFigureOut">
               <a:rPr lang="en-US" smtClean="0"/>
-              <a:t>3/15/19</a:t>
+              <a:t>3/18/19</a:t>
             </a:fld>
             <a:endParaRPr lang="en-US" dirty="0"/>
           </a:p>
@@ -12374,7 +12374,7 @@
           <a:p>
             <a:fld id="{96DFF08F-DC6B-4601-B491-B0F83F6DD2DA}" type="datetimeFigureOut">
               <a:rPr lang="en-US" smtClean="0"/>
-              <a:t>3/15/19</a:t>
+              <a:t>3/18/19</a:t>
             </a:fld>
             <a:endParaRPr lang="en-US" dirty="0"/>
           </a:p>
@@ -12869,7 +12869,7 @@
           <a:p>
             <a:fld id="{96DFF08F-DC6B-4601-B491-B0F83F6DD2DA}" type="datetimeFigureOut">
               <a:rPr lang="en-US" smtClean="0"/>
-              <a:t>3/15/19</a:t>
+              <a:t>3/18/19</a:t>
             </a:fld>
             <a:endParaRPr lang="en-US" dirty="0"/>
           </a:p>
@@ -12989,7 +12989,7 @@
           <a:p>
             <a:fld id="{39A1194B-0F43-CA42-AB16-BFE8CF05E5C1}" type="datetimeFigureOut">
               <a:rPr kumimoji="1" lang="ja-JP" altLang="en-US" smtClean="0"/>
-              <a:t>2019/3/15</a:t>
+              <a:t>2019/3/18</a:t>
             </a:fld>
             <a:endParaRPr kumimoji="1" lang="ja-JP" altLang="en-US"/>
           </a:p>
@@ -13084,7 +13084,7 @@
           <a:p>
             <a:fld id="{96DFF08F-DC6B-4601-B491-B0F83F6DD2DA}" type="datetimeFigureOut">
               <a:rPr lang="en-US" smtClean="0"/>
-              <a:t>3/15/19</a:t>
+              <a:t>3/18/19</a:t>
             </a:fld>
             <a:endParaRPr lang="en-US" dirty="0"/>
           </a:p>
@@ -13423,7 +13423,7 @@
           <a:p>
             <a:fld id="{96DFF08F-DC6B-4601-B491-B0F83F6DD2DA}" type="datetimeFigureOut">
               <a:rPr lang="en-US" smtClean="0"/>
-              <a:t>3/15/19</a:t>
+              <a:t>3/18/19</a:t>
             </a:fld>
             <a:endParaRPr lang="en-US" dirty="0"/>
           </a:p>
@@ -13739,7 +13739,7 @@
           <a:p>
             <a:fld id="{9CDD058F-B960-4439-B370-43D89816EE05}" type="datetimeFigureOut">
               <a:rPr lang="en-US" smtClean="0"/>
-              <a:t>3/15/19</a:t>
+              <a:t>3/18/19</a:t>
             </a:fld>
             <a:endParaRPr lang="en-US" dirty="0"/>
           </a:p>
@@ -13954,7 +13954,7 @@
           <a:p>
             <a:fld id="{96DFF08F-DC6B-4601-B491-B0F83F6DD2DA}" type="datetimeFigureOut">
               <a:rPr lang="en-US" smtClean="0"/>
-              <a:t>3/15/19</a:t>
+              <a:t>3/18/19</a:t>
             </a:fld>
             <a:endParaRPr lang="en-US" dirty="0"/>
           </a:p>
@@ -14144,7 +14144,7 @@
           <a:p>
             <a:fld id="{96DFF08F-DC6B-4601-B491-B0F83F6DD2DA}" type="datetimeFigureOut">
               <a:rPr lang="en-US" smtClean="0"/>
-              <a:t>3/15/19</a:t>
+              <a:t>3/18/19</a:t>
             </a:fld>
             <a:endParaRPr lang="en-US" dirty="0"/>
           </a:p>
@@ -16789,7 +16789,7 @@
             <a:fld id="{96DFF08F-DC6B-4601-B491-B0F83F6DD2DA}" type="datetimeFigureOut">
               <a:rPr lang="en-US" dirty="0"/>
               <a:pPr/>
-              <a:t>3/15/19</a:t>
+              <a:t>3/18/19</a:t>
             </a:fld>
             <a:endParaRPr lang="en-US" dirty="0"/>
           </a:p>
@@ -19945,7 +19945,7 @@
             <a:fld id="{96DFF08F-DC6B-4601-B491-B0F83F6DD2DA}" type="datetimeFigureOut">
               <a:rPr lang="en-US" dirty="0"/>
               <a:pPr/>
-              <a:t>3/15/19</a:t>
+              <a:t>3/18/19</a:t>
             </a:fld>
             <a:endParaRPr lang="en-US" dirty="0"/>
           </a:p>
@@ -35150,10 +35150,10 @@
       </p:sp>
       <p:grpSp>
         <p:nvGrpSpPr>
-          <p:cNvPr id="41" name="グループ化 40">
+          <p:cNvPr id="4" name="グループ化 3">
             <a:extLst>
               <a:ext uri="{FF2B5EF4-FFF2-40B4-BE49-F238E27FC236}">
-                <a16:creationId xmlns:a16="http://schemas.microsoft.com/office/drawing/2014/main" id="{AC12E445-DAC5-E549-BC5D-F93DC3EF8D8A}"/>
+                <a16:creationId xmlns:a16="http://schemas.microsoft.com/office/drawing/2014/main" id="{E8BFF9CC-96F3-424D-AF04-A60FB58F3B00}"/>
               </a:ext>
             </a:extLst>
           </p:cNvPr>
@@ -35291,8 +35291,8 @@
             </a:fontRef>
           </p:style>
         </p:cxnSp>
-        <mc:AlternateContent xmlns:mc="http://schemas.openxmlformats.org/markup-compatibility/2006" xmlns:a14="http://schemas.microsoft.com/office/drawing/2010/main">
-          <mc:Choice Requires="a14">
+        <mc:AlternateContent xmlns:mc="http://schemas.openxmlformats.org/markup-compatibility/2006">
+          <mc:Choice xmlns:a14="http://schemas.microsoft.com/office/drawing/2010/main" Requires="a14">
             <p:sp>
               <p:nvSpPr>
                 <p:cNvPr id="18" name="テキスト ボックス 17">
@@ -35342,7 +35342,7 @@
               </p:txBody>
             </p:sp>
           </mc:Choice>
-          <mc:Fallback xmlns="">
+          <mc:Fallback>
             <p:sp>
               <p:nvSpPr>
                 <p:cNvPr id="18" name="テキスト ボックス 17">
@@ -35959,8 +35959,8 @@
             </a:p>
           </p:txBody>
         </p:sp>
-        <mc:AlternateContent xmlns:mc="http://schemas.openxmlformats.org/markup-compatibility/2006" xmlns:a14="http://schemas.microsoft.com/office/drawing/2010/main">
-          <mc:Choice Requires="a14">
+        <mc:AlternateContent xmlns:mc="http://schemas.openxmlformats.org/markup-compatibility/2006">
+          <mc:Choice xmlns:a14="http://schemas.microsoft.com/office/drawing/2010/main" Requires="a14">
             <p:sp>
               <p:nvSpPr>
                 <p:cNvPr id="31" name="テキスト ボックス 30">
@@ -36028,7 +36028,7 @@
               </p:txBody>
             </p:sp>
           </mc:Choice>
-          <mc:Fallback xmlns="">
+          <mc:Fallback>
             <p:sp>
               <p:nvSpPr>
                 <p:cNvPr id="31" name="テキスト ボックス 30">
@@ -36073,8 +36073,8 @@
             </p:sp>
           </mc:Fallback>
         </mc:AlternateContent>
-        <mc:AlternateContent xmlns:mc="http://schemas.openxmlformats.org/markup-compatibility/2006" xmlns:a14="http://schemas.microsoft.com/office/drawing/2010/main">
-          <mc:Choice Requires="a14">
+        <mc:AlternateContent xmlns:mc="http://schemas.openxmlformats.org/markup-compatibility/2006">
+          <mc:Choice xmlns:a14="http://schemas.microsoft.com/office/drawing/2010/main" Requires="a14">
             <p:sp>
               <p:nvSpPr>
                 <p:cNvPr id="32" name="テキスト ボックス 31">
@@ -36134,7 +36134,7 @@
               </p:txBody>
             </p:sp>
           </mc:Choice>
-          <mc:Fallback xmlns="">
+          <mc:Fallback>
             <p:sp>
               <p:nvSpPr>
                 <p:cNvPr id="32" name="テキスト ボックス 31">
@@ -36286,7 +36286,7 @@
           </p:nvCxnSpPr>
           <p:spPr>
             <a:xfrm>
-              <a:off x="880460" y="3710871"/>
+              <a:off x="869820" y="3781889"/>
               <a:ext cx="2647681" cy="0"/>
             </a:xfrm>
             <a:prstGeom prst="line">
@@ -36328,7 +36328,7 @@
           </p:nvSpPr>
           <p:spPr>
             <a:xfrm>
-              <a:off x="326081" y="3590666"/>
+              <a:off x="315441" y="3661684"/>
               <a:ext cx="543739" cy="307777"/>
             </a:xfrm>
             <a:prstGeom prst="rect">
